--- a/fig/3-new-planner/handsize.pptx
+++ b/fig/3-new-planner/handsize.pptx
@@ -104,6 +104,11 @@
       </a:defRPr>
     </a:lvl9pPr>
   </p:defaultTextStyle>
+  <p:extLst>
+    <p:ext uri="{EFAFB233-063F-42B5-8137-9DF3F51BA10A}">
+      <p15:sldGuideLst xmlns:p15="http://schemas.microsoft.com/office/powerpoint/2012/main"/>
+    </p:ext>
+  </p:extLst>
 </p:presentation>
 </file>
 
@@ -238,7 +243,7 @@
           <a:p>
             <a:fld id="{91DF45F7-2E3C-4A35-AEF5-49C2DC3E0EE8}" type="datetimeFigureOut">
               <a:rPr kumimoji="1" lang="ja-JP" altLang="en-US" smtClean="0"/>
-              <a:t>2023/1/11</a:t>
+              <a:t>2023/1/13</a:t>
             </a:fld>
             <a:endParaRPr kumimoji="1" lang="ja-JP" altLang="en-US"/>
           </a:p>
@@ -440,7 +445,7 @@
           <a:p>
             <a:fld id="{91DF45F7-2E3C-4A35-AEF5-49C2DC3E0EE8}" type="datetimeFigureOut">
               <a:rPr kumimoji="1" lang="ja-JP" altLang="en-US" smtClean="0"/>
-              <a:t>2023/1/11</a:t>
+              <a:t>2023/1/13</a:t>
             </a:fld>
             <a:endParaRPr kumimoji="1" lang="ja-JP" altLang="en-US"/>
           </a:p>
@@ -652,7 +657,7 @@
           <a:p>
             <a:fld id="{91DF45F7-2E3C-4A35-AEF5-49C2DC3E0EE8}" type="datetimeFigureOut">
               <a:rPr kumimoji="1" lang="ja-JP" altLang="en-US" smtClean="0"/>
-              <a:t>2023/1/11</a:t>
+              <a:t>2023/1/13</a:t>
             </a:fld>
             <a:endParaRPr kumimoji="1" lang="ja-JP" altLang="en-US"/>
           </a:p>
@@ -854,7 +859,7 @@
           <a:p>
             <a:fld id="{91DF45F7-2E3C-4A35-AEF5-49C2DC3E0EE8}" type="datetimeFigureOut">
               <a:rPr kumimoji="1" lang="ja-JP" altLang="en-US" smtClean="0"/>
-              <a:t>2023/1/11</a:t>
+              <a:t>2023/1/13</a:t>
             </a:fld>
             <a:endParaRPr kumimoji="1" lang="ja-JP" altLang="en-US"/>
           </a:p>
@@ -1098,7 +1103,7 @@
           <a:p>
             <a:fld id="{91DF45F7-2E3C-4A35-AEF5-49C2DC3E0EE8}" type="datetimeFigureOut">
               <a:rPr kumimoji="1" lang="ja-JP" altLang="en-US" smtClean="0"/>
-              <a:t>2023/1/11</a:t>
+              <a:t>2023/1/13</a:t>
             </a:fld>
             <a:endParaRPr kumimoji="1" lang="ja-JP" altLang="en-US"/>
           </a:p>
@@ -1394,7 +1399,7 @@
           <a:p>
             <a:fld id="{91DF45F7-2E3C-4A35-AEF5-49C2DC3E0EE8}" type="datetimeFigureOut">
               <a:rPr kumimoji="1" lang="ja-JP" altLang="en-US" smtClean="0"/>
-              <a:t>2023/1/11</a:t>
+              <a:t>2023/1/13</a:t>
             </a:fld>
             <a:endParaRPr kumimoji="1" lang="ja-JP" altLang="en-US"/>
           </a:p>
@@ -1825,7 +1830,7 @@
           <a:p>
             <a:fld id="{91DF45F7-2E3C-4A35-AEF5-49C2DC3E0EE8}" type="datetimeFigureOut">
               <a:rPr kumimoji="1" lang="ja-JP" altLang="en-US" smtClean="0"/>
-              <a:t>2023/1/11</a:t>
+              <a:t>2023/1/13</a:t>
             </a:fld>
             <a:endParaRPr kumimoji="1" lang="ja-JP" altLang="en-US"/>
           </a:p>
@@ -1943,7 +1948,7 @@
           <a:p>
             <a:fld id="{91DF45F7-2E3C-4A35-AEF5-49C2DC3E0EE8}" type="datetimeFigureOut">
               <a:rPr kumimoji="1" lang="ja-JP" altLang="en-US" smtClean="0"/>
-              <a:t>2023/1/11</a:t>
+              <a:t>2023/1/13</a:t>
             </a:fld>
             <a:endParaRPr kumimoji="1" lang="ja-JP" altLang="en-US"/>
           </a:p>
@@ -2038,7 +2043,7 @@
           <a:p>
             <a:fld id="{91DF45F7-2E3C-4A35-AEF5-49C2DC3E0EE8}" type="datetimeFigureOut">
               <a:rPr kumimoji="1" lang="ja-JP" altLang="en-US" smtClean="0"/>
-              <a:t>2023/1/11</a:t>
+              <a:t>2023/1/13</a:t>
             </a:fld>
             <a:endParaRPr kumimoji="1" lang="ja-JP" altLang="en-US"/>
           </a:p>
@@ -2347,7 +2352,7 @@
           <a:p>
             <a:fld id="{91DF45F7-2E3C-4A35-AEF5-49C2DC3E0EE8}" type="datetimeFigureOut">
               <a:rPr kumimoji="1" lang="ja-JP" altLang="en-US" smtClean="0"/>
-              <a:t>2023/1/11</a:t>
+              <a:t>2023/1/13</a:t>
             </a:fld>
             <a:endParaRPr kumimoji="1" lang="ja-JP" altLang="en-US"/>
           </a:p>
@@ -2604,7 +2609,7 @@
           <a:p>
             <a:fld id="{91DF45F7-2E3C-4A35-AEF5-49C2DC3E0EE8}" type="datetimeFigureOut">
               <a:rPr kumimoji="1" lang="ja-JP" altLang="en-US" smtClean="0"/>
-              <a:t>2023/1/11</a:t>
+              <a:t>2023/1/13</a:t>
             </a:fld>
             <a:endParaRPr kumimoji="1" lang="ja-JP" altLang="en-US"/>
           </a:p>
@@ -2849,7 +2854,7 @@
           <a:p>
             <a:fld id="{91DF45F7-2E3C-4A35-AEF5-49C2DC3E0EE8}" type="datetimeFigureOut">
               <a:rPr kumimoji="1" lang="ja-JP" altLang="en-US" smtClean="0"/>
-              <a:t>2023/1/11</a:t>
+              <a:t>2023/1/13</a:t>
             </a:fld>
             <a:endParaRPr kumimoji="1" lang="ja-JP" altLang="en-US"/>
           </a:p>
@@ -3268,7 +3273,7 @@
         </p:nvSpPr>
         <p:spPr>
           <a:xfrm>
-            <a:off x="3487271" y="6051294"/>
+            <a:off x="3487271" y="5942238"/>
             <a:ext cx="860611" cy="484094"/>
           </a:xfrm>
           <a:prstGeom prst="rect">
@@ -3322,7 +3327,7 @@
         </p:nvSpPr>
         <p:spPr>
           <a:xfrm rot="19569171">
-            <a:off x="3142678" y="4328473"/>
+            <a:off x="3142678" y="4219417"/>
             <a:ext cx="528799" cy="1457682"/>
           </a:xfrm>
           <a:prstGeom prst="rect">
@@ -3376,7 +3381,7 @@
         </p:nvSpPr>
         <p:spPr>
           <a:xfrm>
-            <a:off x="2415423" y="2187508"/>
+            <a:off x="2415423" y="2078452"/>
             <a:ext cx="445899" cy="445899"/>
           </a:xfrm>
           <a:prstGeom prst="ellipse">
@@ -3428,7 +3433,7 @@
         </p:nvSpPr>
         <p:spPr>
           <a:xfrm>
-            <a:off x="4347882" y="358704"/>
+            <a:off x="4347882" y="249648"/>
             <a:ext cx="860611" cy="484094"/>
           </a:xfrm>
           <a:prstGeom prst="rect">
@@ -3482,7 +3487,7 @@
         </p:nvSpPr>
         <p:spPr>
           <a:xfrm rot="21183620">
-            <a:off x="2494657" y="2616802"/>
+            <a:off x="2494657" y="2507746"/>
             <a:ext cx="528799" cy="1457682"/>
           </a:xfrm>
           <a:prstGeom prst="rect">
@@ -3536,7 +3541,7 @@
         </p:nvSpPr>
         <p:spPr>
           <a:xfrm rot="1740241">
-            <a:off x="2756913" y="1153600"/>
+            <a:off x="2756913" y="1044544"/>
             <a:ext cx="528799" cy="1138386"/>
           </a:xfrm>
           <a:prstGeom prst="rect">
@@ -3590,7 +3595,7 @@
         </p:nvSpPr>
         <p:spPr>
           <a:xfrm>
-            <a:off x="3704575" y="5605395"/>
+            <a:off x="3704575" y="5496339"/>
             <a:ext cx="445899" cy="445899"/>
           </a:xfrm>
           <a:prstGeom prst="ellipse">
@@ -3642,7 +3647,7 @@
         </p:nvSpPr>
         <p:spPr>
           <a:xfrm>
-            <a:off x="2663681" y="4044856"/>
+            <a:off x="2663681" y="3935800"/>
             <a:ext cx="445899" cy="445899"/>
           </a:xfrm>
           <a:prstGeom prst="ellipse">
@@ -3694,7 +3699,7 @@
         </p:nvSpPr>
         <p:spPr>
           <a:xfrm rot="19452767">
-            <a:off x="5088429" y="1113791"/>
+            <a:off x="5088429" y="1004735"/>
             <a:ext cx="528799" cy="1457682"/>
           </a:xfrm>
           <a:prstGeom prst="rect">
@@ -3748,7 +3753,7 @@
         </p:nvSpPr>
         <p:spPr>
           <a:xfrm>
-            <a:off x="4572000" y="842798"/>
+            <a:off x="4572000" y="733742"/>
             <a:ext cx="445899" cy="445899"/>
           </a:xfrm>
           <a:prstGeom prst="ellipse">
@@ -3800,7 +3805,7 @@
         </p:nvSpPr>
         <p:spPr>
           <a:xfrm>
-            <a:off x="5682985" y="2365529"/>
+            <a:off x="5682985" y="2256473"/>
             <a:ext cx="445899" cy="445899"/>
           </a:xfrm>
           <a:prstGeom prst="ellipse">
@@ -3852,7 +3857,7 @@
         </p:nvSpPr>
         <p:spPr>
           <a:xfrm rot="21183620">
-            <a:off x="5770022" y="2820439"/>
+            <a:off x="5770022" y="2711383"/>
             <a:ext cx="528799" cy="1457682"/>
           </a:xfrm>
           <a:prstGeom prst="rect">
@@ -3906,7 +3911,7 @@
         </p:nvSpPr>
         <p:spPr>
           <a:xfrm rot="11458164">
-            <a:off x="5905934" y="4287132"/>
+            <a:off x="5905934" y="4178076"/>
             <a:ext cx="445899" cy="445899"/>
           </a:xfrm>
           <a:prstGeom prst="ellipse">
@@ -3958,7 +3963,7 @@
         </p:nvSpPr>
         <p:spPr>
           <a:xfrm rot="13198405">
-            <a:off x="5366628" y="4573547"/>
+            <a:off x="5366628" y="4464491"/>
             <a:ext cx="528799" cy="1138386"/>
           </a:xfrm>
           <a:prstGeom prst="rect">
@@ -4014,7 +4019,7 @@
         </p:nvCxnSpPr>
         <p:spPr>
           <a:xfrm>
-            <a:off x="3917576" y="5809901"/>
+            <a:off x="3917576" y="5700845"/>
             <a:ext cx="0" cy="545346"/>
           </a:xfrm>
           <a:prstGeom prst="straightConnector1">
@@ -4059,7 +4064,7 @@
         </p:nvCxnSpPr>
         <p:spPr>
           <a:xfrm>
-            <a:off x="2876226" y="4275147"/>
+            <a:off x="2876226" y="4166091"/>
             <a:ext cx="1040894" cy="1564333"/>
           </a:xfrm>
           <a:prstGeom prst="straightConnector1">
@@ -4104,7 +4109,7 @@
         </p:nvCxnSpPr>
         <p:spPr>
           <a:xfrm>
-            <a:off x="2630049" y="2378852"/>
+            <a:off x="2630049" y="2269796"/>
             <a:ext cx="256581" cy="1896295"/>
           </a:xfrm>
           <a:prstGeom prst="straightConnector1">
@@ -4150,7 +4155,7 @@
         </p:nvCxnSpPr>
         <p:spPr>
           <a:xfrm flipH="1">
-            <a:off x="2629593" y="1224985"/>
+            <a:off x="2629593" y="1115929"/>
             <a:ext cx="667705" cy="1185472"/>
           </a:xfrm>
           <a:prstGeom prst="straightConnector1">
@@ -4195,7 +4200,7 @@
             </p:nvSpPr>
             <p:spPr>
               <a:xfrm>
-                <a:off x="2890858" y="5770472"/>
+                <a:off x="2890858" y="5661416"/>
                 <a:ext cx="705065" cy="584775"/>
               </a:xfrm>
               <a:prstGeom prst="rect">
@@ -4209,6 +4214,7 @@
               </a:bodyPr>
               <a:lstStyle/>
               <a:p>
+                <a:pPr/>
                 <a14:m>
                   <m:oMathPara xmlns:m="http://schemas.openxmlformats.org/officeDocument/2006/math">
                     <m:oMathParaPr>
@@ -4278,7 +4284,7 @@
             </p:nvSpPr>
             <p:spPr>
               <a:xfrm>
-                <a:off x="2890858" y="5770472"/>
+                <a:off x="2890858" y="5661416"/>
                 <a:ext cx="705065" cy="584775"/>
               </a:xfrm>
               <a:prstGeom prst="rect">
@@ -4322,7 +4328,7 @@
             </p:nvSpPr>
             <p:spPr>
               <a:xfrm>
-                <a:off x="2647729" y="5015053"/>
+                <a:off x="2647729" y="4905997"/>
                 <a:ext cx="695575" cy="584775"/>
               </a:xfrm>
               <a:prstGeom prst="rect">
@@ -4336,6 +4342,7 @@
               </a:bodyPr>
               <a:lstStyle/>
               <a:p>
+                <a:pPr/>
                 <a14:m>
                   <m:oMathPara xmlns:m="http://schemas.openxmlformats.org/officeDocument/2006/math">
                     <m:oMathParaPr>
@@ -4405,7 +4412,7 @@
             </p:nvSpPr>
             <p:spPr>
               <a:xfrm>
-                <a:off x="2647729" y="5015053"/>
+                <a:off x="2647729" y="4905997"/>
                 <a:ext cx="695575" cy="584775"/>
               </a:xfrm>
               <a:prstGeom prst="rect">
@@ -4449,7 +4456,7 @@
             </p:nvSpPr>
             <p:spPr>
               <a:xfrm>
-                <a:off x="2944765" y="2950466"/>
+                <a:off x="2944765" y="2841410"/>
                 <a:ext cx="705065" cy="584775"/>
               </a:xfrm>
               <a:prstGeom prst="rect">
@@ -4463,6 +4470,7 @@
               </a:bodyPr>
               <a:lstStyle/>
               <a:p>
+                <a:pPr/>
                 <a14:m>
                   <m:oMathPara xmlns:m="http://schemas.openxmlformats.org/officeDocument/2006/math">
                     <m:oMathParaPr>
@@ -4532,7 +4540,7 @@
             </p:nvSpPr>
             <p:spPr>
               <a:xfrm>
-                <a:off x="2944765" y="2950466"/>
+                <a:off x="2944765" y="2841410"/>
                 <a:ext cx="705065" cy="584775"/>
               </a:xfrm>
               <a:prstGeom prst="rect">
@@ -4576,7 +4584,7 @@
             </p:nvSpPr>
             <p:spPr>
               <a:xfrm>
-                <a:off x="3246464" y="1677960"/>
+                <a:off x="3246464" y="1568904"/>
                 <a:ext cx="705065" cy="584775"/>
               </a:xfrm>
               <a:prstGeom prst="rect">
@@ -4590,6 +4598,7 @@
               </a:bodyPr>
               <a:lstStyle/>
               <a:p>
+                <a:pPr/>
                 <a14:m>
                   <m:oMathPara xmlns:m="http://schemas.openxmlformats.org/officeDocument/2006/math">
                     <m:oMathParaPr>
@@ -4659,7 +4668,7 @@
             </p:nvSpPr>
             <p:spPr>
               <a:xfrm>
-                <a:off x="3246464" y="1677960"/>
+                <a:off x="3246464" y="1568904"/>
                 <a:ext cx="705065" cy="584775"/>
               </a:xfrm>
               <a:prstGeom prst="rect">
@@ -4703,7 +4712,7 @@
         </p:nvCxnSpPr>
         <p:spPr>
           <a:xfrm flipH="1">
-            <a:off x="4943379" y="1415976"/>
+            <a:off x="4943379" y="1306920"/>
             <a:ext cx="437650" cy="356815"/>
           </a:xfrm>
           <a:prstGeom prst="straightConnector1">
@@ -4748,7 +4757,7 @@
             </p:nvSpPr>
             <p:spPr>
               <a:xfrm>
-                <a:off x="5468060" y="1231643"/>
+                <a:off x="5468060" y="1122587"/>
                 <a:ext cx="592662" cy="584775"/>
               </a:xfrm>
               <a:prstGeom prst="rect">
@@ -4762,6 +4771,7 @@
               </a:bodyPr>
               <a:lstStyle/>
               <a:p>
+                <a:pPr/>
                 <a14:m>
                   <m:oMathPara xmlns:m="http://schemas.openxmlformats.org/officeDocument/2006/math">
                     <m:oMathParaPr>
@@ -4806,7 +4816,7 @@
             </p:nvSpPr>
             <p:spPr>
               <a:xfrm>
-                <a:off x="5468060" y="1231643"/>
+                <a:off x="5468060" y="1122587"/>
                 <a:ext cx="592662" cy="584775"/>
               </a:xfrm>
               <a:prstGeom prst="rect">
@@ -4850,7 +4860,7 @@
         </p:nvCxnSpPr>
         <p:spPr>
           <a:xfrm>
-            <a:off x="3917120" y="4245568"/>
+            <a:off x="3917120" y="4136512"/>
             <a:ext cx="0" cy="1501773"/>
           </a:xfrm>
           <a:prstGeom prst="line">
@@ -4892,7 +4902,7 @@
         </p:nvGrpSpPr>
         <p:grpSpPr>
           <a:xfrm>
-            <a:off x="2195758" y="3040086"/>
+            <a:off x="2195758" y="2931030"/>
             <a:ext cx="762390" cy="828781"/>
             <a:chOff x="3254582" y="4461510"/>
             <a:chExt cx="914400" cy="994029"/>
@@ -5052,7 +5062,7 @@
             </p:nvSpPr>
             <p:spPr>
               <a:xfrm>
-                <a:off x="3384636" y="4244685"/>
+                <a:off x="3384636" y="4135629"/>
                 <a:ext cx="674735" cy="584775"/>
               </a:xfrm>
               <a:prstGeom prst="rect">
@@ -5066,6 +5076,7 @@
               </a:bodyPr>
               <a:lstStyle/>
               <a:p>
+                <a:pPr/>
                 <a14:m>
                   <m:oMathPara xmlns:m="http://schemas.openxmlformats.org/officeDocument/2006/math">
                     <m:oMathParaPr>
@@ -5135,7 +5146,7 @@
             </p:nvSpPr>
             <p:spPr>
               <a:xfrm>
-                <a:off x="3384636" y="4244685"/>
+                <a:off x="3384636" y="4135629"/>
                 <a:ext cx="674735" cy="584775"/>
               </a:xfrm>
               <a:prstGeom prst="rect">
@@ -5179,7 +5190,7 @@
         </p:nvCxnSpPr>
         <p:spPr>
           <a:xfrm>
-            <a:off x="2074621" y="3150363"/>
+            <a:off x="2074621" y="3041307"/>
             <a:ext cx="791508" cy="1117442"/>
           </a:xfrm>
           <a:prstGeom prst="line">
@@ -5221,7 +5232,7 @@
         </p:nvGrpSpPr>
         <p:grpSpPr>
           <a:xfrm rot="2279932">
-            <a:off x="2295524" y="1280385"/>
+            <a:off x="2295524" y="1171329"/>
             <a:ext cx="863405" cy="938593"/>
             <a:chOff x="3254582" y="4461510"/>
             <a:chExt cx="914400" cy="994029"/>
@@ -5381,7 +5392,7 @@
             </p:nvSpPr>
             <p:spPr>
               <a:xfrm>
-                <a:off x="1559920" y="2590195"/>
+                <a:off x="1559920" y="2481139"/>
                 <a:ext cx="990399" cy="584775"/>
               </a:xfrm>
               <a:prstGeom prst="rect">
@@ -5395,6 +5406,7 @@
               </a:bodyPr>
               <a:lstStyle/>
               <a:p>
+                <a:pPr/>
                 <a14:m>
                   <m:oMathPara xmlns:m="http://schemas.openxmlformats.org/officeDocument/2006/math">
                     <m:oMathParaPr>
@@ -5473,7 +5485,7 @@
             </p:nvSpPr>
             <p:spPr>
               <a:xfrm>
-                <a:off x="1559920" y="2590195"/>
+                <a:off x="1559920" y="2481139"/>
                 <a:ext cx="990399" cy="584775"/>
               </a:xfrm>
               <a:prstGeom prst="rect">
@@ -5517,7 +5529,7 @@
         </p:nvCxnSpPr>
         <p:spPr>
           <a:xfrm flipH="1" flipV="1">
-            <a:off x="2493190" y="1194377"/>
+            <a:off x="2493190" y="1085321"/>
             <a:ext cx="126194" cy="1184475"/>
           </a:xfrm>
           <a:prstGeom prst="line">
@@ -5561,7 +5573,7 @@
             </p:nvSpPr>
             <p:spPr>
               <a:xfrm>
-                <a:off x="2067881" y="626728"/>
+                <a:off x="2067881" y="517672"/>
                 <a:ext cx="990399" cy="584775"/>
               </a:xfrm>
               <a:prstGeom prst="rect">
@@ -5575,6 +5587,7 @@
               </a:bodyPr>
               <a:lstStyle/>
               <a:p>
+                <a:pPr/>
                 <a14:m>
                   <m:oMathPara xmlns:m="http://schemas.openxmlformats.org/officeDocument/2006/math">
                     <m:oMathParaPr>
@@ -5653,7 +5666,7 @@
             </p:nvSpPr>
             <p:spPr>
               <a:xfrm>
-                <a:off x="2067881" y="626728"/>
+                <a:off x="2067881" y="517672"/>
                 <a:ext cx="990399" cy="584775"/>
               </a:xfrm>
               <a:prstGeom prst="rect">
@@ -5695,7 +5708,7 @@
         </p:nvGrpSpPr>
         <p:grpSpPr>
           <a:xfrm rot="18940927">
-            <a:off x="3401286" y="4820063"/>
+            <a:off x="3401286" y="4711007"/>
             <a:ext cx="697368" cy="746530"/>
             <a:chOff x="-1355660" y="1502273"/>
             <a:chExt cx="762390" cy="816136"/>
@@ -5853,7 +5866,7 @@
         </p:nvGrpSpPr>
         <p:grpSpPr>
           <a:xfrm rot="8718636">
-            <a:off x="4680154" y="1726481"/>
+            <a:off x="4680154" y="1617425"/>
             <a:ext cx="697368" cy="746530"/>
             <a:chOff x="-1355660" y="1502273"/>
             <a:chExt cx="762390" cy="816136"/>
@@ -6013,7 +6026,7 @@
             </p:nvSpPr>
             <p:spPr>
               <a:xfrm>
-                <a:off x="4836973" y="2360509"/>
+                <a:off x="4836973" y="2251453"/>
                 <a:ext cx="674607" cy="584775"/>
               </a:xfrm>
               <a:prstGeom prst="rect">
@@ -6027,6 +6040,7 @@
               </a:bodyPr>
               <a:lstStyle/>
               <a:p>
+                <a:pPr/>
                 <a14:m>
                   <m:oMathPara xmlns:m="http://schemas.openxmlformats.org/officeDocument/2006/math">
                     <m:oMathParaPr>
@@ -6096,7 +6110,7 @@
             </p:nvSpPr>
             <p:spPr>
               <a:xfrm>
-                <a:off x="4836973" y="2360509"/>
+                <a:off x="4836973" y="2251453"/>
                 <a:ext cx="674607" cy="584775"/>
               </a:xfrm>
               <a:prstGeom prst="rect">
@@ -6140,7 +6154,7 @@
         </p:nvCxnSpPr>
         <p:spPr>
           <a:xfrm flipH="1" flipV="1">
-            <a:off x="5905934" y="2588478"/>
+            <a:off x="5905934" y="2479422"/>
             <a:ext cx="1037410" cy="1401286"/>
           </a:xfrm>
           <a:prstGeom prst="line">
@@ -6184,7 +6198,7 @@
         </p:nvCxnSpPr>
         <p:spPr>
           <a:xfrm flipH="1" flipV="1">
-            <a:off x="6156094" y="4536684"/>
+            <a:off x="6156094" y="4427628"/>
             <a:ext cx="159362" cy="1431300"/>
           </a:xfrm>
           <a:prstGeom prst="line">
@@ -6226,7 +6240,7 @@
         </p:nvGrpSpPr>
         <p:grpSpPr>
           <a:xfrm rot="9918584">
-            <a:off x="6084694" y="3409866"/>
+            <a:off x="6084694" y="3300810"/>
             <a:ext cx="679890" cy="739097"/>
             <a:chOff x="3254582" y="4461510"/>
             <a:chExt cx="914400" cy="994029"/>
@@ -6384,7 +6398,7 @@
         </p:nvGrpSpPr>
         <p:grpSpPr>
           <a:xfrm rot="13189830">
-            <a:off x="5629018" y="4864386"/>
+            <a:off x="5629018" y="4755330"/>
             <a:ext cx="863405" cy="938593"/>
             <a:chOff x="3254582" y="4461510"/>
             <a:chExt cx="914400" cy="994029"/>
@@ -6544,7 +6558,7 @@
             </p:nvSpPr>
             <p:spPr>
               <a:xfrm>
-                <a:off x="6348032" y="3992250"/>
+                <a:off x="6348032" y="3883194"/>
                 <a:ext cx="990399" cy="584775"/>
               </a:xfrm>
               <a:prstGeom prst="rect">
@@ -6558,6 +6572,7 @@
               </a:bodyPr>
               <a:lstStyle/>
               <a:p>
+                <a:pPr/>
                 <a14:m>
                   <m:oMathPara xmlns:m="http://schemas.openxmlformats.org/officeDocument/2006/math">
                     <m:oMathParaPr>
@@ -6636,7 +6651,7 @@
             </p:nvSpPr>
             <p:spPr>
               <a:xfrm>
-                <a:off x="6348032" y="3992250"/>
+                <a:off x="6348032" y="3883194"/>
                 <a:ext cx="990399" cy="584775"/>
               </a:xfrm>
               <a:prstGeom prst="rect">
@@ -6680,7 +6695,7 @@
             </p:nvSpPr>
             <p:spPr>
               <a:xfrm>
-                <a:off x="5468060" y="5721990"/>
+                <a:off x="5468060" y="5612934"/>
                 <a:ext cx="990399" cy="584775"/>
               </a:xfrm>
               <a:prstGeom prst="rect">
@@ -6694,6 +6709,7 @@
               </a:bodyPr>
               <a:lstStyle/>
               <a:p>
+                <a:pPr/>
                 <a14:m>
                   <m:oMathPara xmlns:m="http://schemas.openxmlformats.org/officeDocument/2006/math">
                     <m:oMathParaPr>
@@ -6772,7 +6788,7 @@
             </p:nvSpPr>
             <p:spPr>
               <a:xfrm>
-                <a:off x="5468060" y="5721990"/>
+                <a:off x="5468060" y="5612934"/>
                 <a:ext cx="990399" cy="584775"/>
               </a:xfrm>
               <a:prstGeom prst="rect">
@@ -6816,8 +6832,8 @@
         </p:nvCxnSpPr>
         <p:spPr>
           <a:xfrm flipH="1">
-            <a:off x="4797852" y="399330"/>
-            <a:ext cx="1353" cy="6176684"/>
+            <a:off x="4786342" y="290274"/>
+            <a:ext cx="12863" cy="6136058"/>
           </a:xfrm>
           <a:prstGeom prst="straightConnector1">
             <a:avLst/>
@@ -6861,7 +6877,7 @@
         </p:nvCxnSpPr>
         <p:spPr>
           <a:xfrm flipH="1">
-            <a:off x="3917120" y="6355247"/>
+            <a:off x="3917120" y="6246191"/>
             <a:ext cx="861067" cy="0"/>
           </a:xfrm>
           <a:prstGeom prst="straightConnector1">
@@ -6906,7 +6922,7 @@
             </p:nvSpPr>
             <p:spPr>
               <a:xfrm>
-                <a:off x="4282293" y="5769370"/>
+                <a:off x="4282293" y="5660314"/>
                 <a:ext cx="504049" cy="584775"/>
               </a:xfrm>
               <a:prstGeom prst="rect">
@@ -6920,6 +6936,7 @@
               </a:bodyPr>
               <a:lstStyle/>
               <a:p>
+                <a:pPr/>
                 <a14:m>
                   <m:oMathPara xmlns:m="http://schemas.openxmlformats.org/officeDocument/2006/math">
                     <m:oMathParaPr>
@@ -6964,7 +6981,7 @@
             </p:nvSpPr>
             <p:spPr>
               <a:xfrm>
-                <a:off x="4282293" y="5769370"/>
+                <a:off x="4282293" y="5660314"/>
                 <a:ext cx="504049" cy="584775"/>
               </a:xfrm>
               <a:prstGeom prst="rect">
@@ -7008,7 +7025,7 @@
             </p:nvSpPr>
             <p:spPr>
               <a:xfrm>
-                <a:off x="4322330" y="3316270"/>
+                <a:off x="4322330" y="3207214"/>
                 <a:ext cx="553228" cy="646331"/>
               </a:xfrm>
               <a:prstGeom prst="rect">
@@ -7022,6 +7039,7 @@
               </a:bodyPr>
               <a:lstStyle/>
               <a:p>
+                <a:pPr/>
                 <a14:m>
                   <m:oMathPara xmlns:m="http://schemas.openxmlformats.org/officeDocument/2006/math">
                     <m:oMathParaPr>
@@ -7066,7 +7084,7 @@
             </p:nvSpPr>
             <p:spPr>
               <a:xfrm>
-                <a:off x="4322330" y="3316270"/>
+                <a:off x="4322330" y="3207214"/>
                 <a:ext cx="553228" cy="646331"/>
               </a:xfrm>
               <a:prstGeom prst="rect">
@@ -7074,6 +7092,403 @@
               </a:prstGeom>
               <a:blipFill>
                 <a:blip r:embed="rId14"/>
+                <a:stretch>
+                  <a:fillRect/>
+                </a:stretch>
+              </a:blipFill>
+            </p:spPr>
+            <p:txBody>
+              <a:bodyPr/>
+              <a:lstStyle/>
+              <a:p>
+                <a:r>
+                  <a:rPr lang="ja-JP" altLang="en-US">
+                    <a:noFill/>
+                  </a:rPr>
+                  <a:t> </a:t>
+                </a:r>
+              </a:p>
+            </p:txBody>
+          </p:sp>
+        </mc:Fallback>
+      </mc:AlternateContent>
+      <p:cxnSp>
+        <p:nvCxnSpPr>
+          <p:cNvPr id="6" name="直線矢印コネクタ 5">
+            <a:extLst>
+              <a:ext uri="{FF2B5EF4-FFF2-40B4-BE49-F238E27FC236}">
+                <a16:creationId xmlns:a16="http://schemas.microsoft.com/office/drawing/2014/main" id="{8D2A2B57-97B2-B793-AC24-C44D9288A729}"/>
+              </a:ext>
+            </a:extLst>
+          </p:cNvPr>
+          <p:cNvCxnSpPr>
+            <a:cxnSpLocks/>
+          </p:cNvCxnSpPr>
+          <p:nvPr/>
+        </p:nvCxnSpPr>
+        <p:spPr>
+          <a:xfrm flipV="1">
+            <a:off x="4347882" y="5333573"/>
+            <a:ext cx="0" cy="1092759"/>
+          </a:xfrm>
+          <a:prstGeom prst="straightConnector1">
+            <a:avLst/>
+          </a:prstGeom>
+          <a:ln w="38100">
+            <a:solidFill>
+              <a:schemeClr val="tx1"/>
+            </a:solidFill>
+            <a:tailEnd type="triangle"/>
+          </a:ln>
+        </p:spPr>
+        <p:style>
+          <a:lnRef idx="1">
+            <a:schemeClr val="accent1"/>
+          </a:lnRef>
+          <a:fillRef idx="0">
+            <a:schemeClr val="accent1"/>
+          </a:fillRef>
+          <a:effectRef idx="0">
+            <a:schemeClr val="accent1"/>
+          </a:effectRef>
+          <a:fontRef idx="minor">
+            <a:schemeClr val="tx1"/>
+          </a:fontRef>
+        </p:style>
+      </p:cxnSp>
+      <p:cxnSp>
+        <p:nvCxnSpPr>
+          <p:cNvPr id="8" name="直線矢印コネクタ 7">
+            <a:extLst>
+              <a:ext uri="{FF2B5EF4-FFF2-40B4-BE49-F238E27FC236}">
+                <a16:creationId xmlns:a16="http://schemas.microsoft.com/office/drawing/2014/main" id="{10A64CFA-B651-4182-7A69-4717D279D18C}"/>
+              </a:ext>
+            </a:extLst>
+          </p:cNvPr>
+          <p:cNvCxnSpPr>
+            <a:cxnSpLocks/>
+          </p:cNvCxnSpPr>
+          <p:nvPr/>
+        </p:nvCxnSpPr>
+        <p:spPr>
+          <a:xfrm>
+            <a:off x="4347882" y="6426332"/>
+            <a:ext cx="1120178" cy="0"/>
+          </a:xfrm>
+          <a:prstGeom prst="straightConnector1">
+            <a:avLst/>
+          </a:prstGeom>
+          <a:ln w="38100">
+            <a:solidFill>
+              <a:schemeClr val="tx1"/>
+            </a:solidFill>
+            <a:tailEnd type="triangle"/>
+          </a:ln>
+        </p:spPr>
+        <p:style>
+          <a:lnRef idx="1">
+            <a:schemeClr val="accent1"/>
+          </a:lnRef>
+          <a:fillRef idx="0">
+            <a:schemeClr val="accent1"/>
+          </a:fillRef>
+          <a:effectRef idx="0">
+            <a:schemeClr val="accent1"/>
+          </a:effectRef>
+          <a:fontRef idx="minor">
+            <a:schemeClr val="tx1"/>
+          </a:fontRef>
+        </p:style>
+      </p:cxnSp>
+      <mc:AlternateContent xmlns:mc="http://schemas.openxmlformats.org/markup-compatibility/2006">
+        <mc:Choice xmlns:a14="http://schemas.microsoft.com/office/drawing/2010/main" Requires="a14">
+          <p:sp>
+            <p:nvSpPr>
+              <p:cNvPr id="13" name="テキスト ボックス 12">
+                <a:extLst>
+                  <a:ext uri="{FF2B5EF4-FFF2-40B4-BE49-F238E27FC236}">
+                    <a16:creationId xmlns:a16="http://schemas.microsoft.com/office/drawing/2014/main" id="{EC61AD70-06E3-BC6D-9A12-54C158476D06}"/>
+                  </a:ext>
+                </a:extLst>
+              </p:cNvPr>
+              <p:cNvSpPr txBox="1"/>
+              <p:nvPr/>
+            </p:nvSpPr>
+            <p:spPr>
+              <a:xfrm>
+                <a:off x="5396090" y="6195841"/>
+                <a:ext cx="508088" cy="584775"/>
+              </a:xfrm>
+              <a:prstGeom prst="rect">
+                <a:avLst/>
+              </a:prstGeom>
+              <a:noFill/>
+            </p:spPr>
+            <p:txBody>
+              <a:bodyPr wrap="none" rtlCol="0">
+                <a:spAutoFit/>
+              </a:bodyPr>
+              <a:lstStyle/>
+              <a:p>
+                <a:pPr/>
+                <a14:m>
+                  <m:oMathPara xmlns:m="http://schemas.openxmlformats.org/officeDocument/2006/math">
+                    <m:oMathParaPr>
+                      <m:jc m:val="centerGroup"/>
+                    </m:oMathParaPr>
+                    <m:oMath xmlns:m="http://schemas.openxmlformats.org/officeDocument/2006/math">
+                      <m:r>
+                        <a:rPr kumimoji="1" lang="en-US" altLang="ja-JP" sz="3200" b="0" i="1" smtClean="0">
+                          <a:solidFill>
+                            <a:schemeClr val="tx1"/>
+                          </a:solidFill>
+                          <a:latin typeface="Cambria Math" panose="02040503050406030204" pitchFamily="18" charset="0"/>
+                        </a:rPr>
+                        <m:t>𝑥</m:t>
+                      </m:r>
+                    </m:oMath>
+                  </m:oMathPara>
+                </a14:m>
+                <a:endParaRPr kumimoji="1" lang="ja-JP" altLang="en-US" sz="3200" dirty="0">
+                  <a:solidFill>
+                    <a:schemeClr val="tx1"/>
+                  </a:solidFill>
+                </a:endParaRPr>
+              </a:p>
+            </p:txBody>
+          </p:sp>
+        </mc:Choice>
+        <mc:Fallback>
+          <p:sp>
+            <p:nvSpPr>
+              <p:cNvPr id="13" name="テキスト ボックス 12">
+                <a:extLst>
+                  <a:ext uri="{FF2B5EF4-FFF2-40B4-BE49-F238E27FC236}">
+                    <a16:creationId xmlns:a16="http://schemas.microsoft.com/office/drawing/2014/main" id="{EC61AD70-06E3-BC6D-9A12-54C158476D06}"/>
+                  </a:ext>
+                </a:extLst>
+              </p:cNvPr>
+              <p:cNvSpPr txBox="1">
+                <a:spLocks noRot="1" noChangeAspect="1" noMove="1" noResize="1" noEditPoints="1" noAdjustHandles="1" noChangeArrowheads="1" noChangeShapeType="1" noTextEdit="1"/>
+              </p:cNvSpPr>
+              <p:nvPr/>
+            </p:nvSpPr>
+            <p:spPr>
+              <a:xfrm>
+                <a:off x="5396090" y="6195841"/>
+                <a:ext cx="508088" cy="584775"/>
+              </a:xfrm>
+              <a:prstGeom prst="rect">
+                <a:avLst/>
+              </a:prstGeom>
+              <a:blipFill>
+                <a:blip r:embed="rId15"/>
+                <a:stretch>
+                  <a:fillRect/>
+                </a:stretch>
+              </a:blipFill>
+            </p:spPr>
+            <p:txBody>
+              <a:bodyPr/>
+              <a:lstStyle/>
+              <a:p>
+                <a:r>
+                  <a:rPr lang="ja-JP" altLang="en-US">
+                    <a:noFill/>
+                  </a:rPr>
+                  <a:t> </a:t>
+                </a:r>
+              </a:p>
+            </p:txBody>
+          </p:sp>
+        </mc:Fallback>
+      </mc:AlternateContent>
+      <mc:AlternateContent xmlns:mc="http://schemas.openxmlformats.org/markup-compatibility/2006">
+        <mc:Choice xmlns:a14="http://schemas.microsoft.com/office/drawing/2010/main" Requires="a14">
+          <p:sp>
+            <p:nvSpPr>
+              <p:cNvPr id="14" name="テキスト ボックス 13">
+                <a:extLst>
+                  <a:ext uri="{FF2B5EF4-FFF2-40B4-BE49-F238E27FC236}">
+                    <a16:creationId xmlns:a16="http://schemas.microsoft.com/office/drawing/2014/main" id="{5083C33E-27F1-14CD-F100-322EC57A582B}"/>
+                  </a:ext>
+                </a:extLst>
+              </p:cNvPr>
+              <p:cNvSpPr txBox="1"/>
+              <p:nvPr/>
+            </p:nvSpPr>
+            <p:spPr>
+              <a:xfrm>
+                <a:off x="4165567" y="4857465"/>
+                <a:ext cx="513859" cy="584775"/>
+              </a:xfrm>
+              <a:prstGeom prst="rect">
+                <a:avLst/>
+              </a:prstGeom>
+              <a:noFill/>
+            </p:spPr>
+            <p:txBody>
+              <a:bodyPr wrap="none" rtlCol="0">
+                <a:spAutoFit/>
+              </a:bodyPr>
+              <a:lstStyle/>
+              <a:p>
+                <a:pPr/>
+                <a14:m>
+                  <m:oMathPara xmlns:m="http://schemas.openxmlformats.org/officeDocument/2006/math">
+                    <m:oMathParaPr>
+                      <m:jc m:val="centerGroup"/>
+                    </m:oMathParaPr>
+                    <m:oMath xmlns:m="http://schemas.openxmlformats.org/officeDocument/2006/math">
+                      <m:r>
+                        <a:rPr kumimoji="1" lang="en-US" altLang="ja-JP" sz="3200" b="0" i="1" smtClean="0">
+                          <a:solidFill>
+                            <a:schemeClr val="tx1"/>
+                          </a:solidFill>
+                          <a:latin typeface="Cambria Math" panose="02040503050406030204" pitchFamily="18" charset="0"/>
+                        </a:rPr>
+                        <m:t>𝑦</m:t>
+                      </m:r>
+                    </m:oMath>
+                  </m:oMathPara>
+                </a14:m>
+                <a:endParaRPr kumimoji="1" lang="ja-JP" altLang="en-US" sz="3200" dirty="0">
+                  <a:solidFill>
+                    <a:schemeClr val="tx1"/>
+                  </a:solidFill>
+                </a:endParaRPr>
+              </a:p>
+            </p:txBody>
+          </p:sp>
+        </mc:Choice>
+        <mc:Fallback>
+          <p:sp>
+            <p:nvSpPr>
+              <p:cNvPr id="14" name="テキスト ボックス 13">
+                <a:extLst>
+                  <a:ext uri="{FF2B5EF4-FFF2-40B4-BE49-F238E27FC236}">
+                    <a16:creationId xmlns:a16="http://schemas.microsoft.com/office/drawing/2014/main" id="{5083C33E-27F1-14CD-F100-322EC57A582B}"/>
+                  </a:ext>
+                </a:extLst>
+              </p:cNvPr>
+              <p:cNvSpPr txBox="1">
+                <a:spLocks noRot="1" noChangeAspect="1" noMove="1" noResize="1" noEditPoints="1" noAdjustHandles="1" noChangeArrowheads="1" noChangeShapeType="1" noTextEdit="1"/>
+              </p:cNvSpPr>
+              <p:nvPr/>
+            </p:nvSpPr>
+            <p:spPr>
+              <a:xfrm>
+                <a:off x="4165567" y="4857465"/>
+                <a:ext cx="513859" cy="584775"/>
+              </a:xfrm>
+              <a:prstGeom prst="rect">
+                <a:avLst/>
+              </a:prstGeom>
+              <a:blipFill>
+                <a:blip r:embed="rId16"/>
+                <a:stretch>
+                  <a:fillRect/>
+                </a:stretch>
+              </a:blipFill>
+            </p:spPr>
+            <p:txBody>
+              <a:bodyPr/>
+              <a:lstStyle/>
+              <a:p>
+                <a:r>
+                  <a:rPr lang="ja-JP" altLang="en-US">
+                    <a:noFill/>
+                  </a:rPr>
+                  <a:t> </a:t>
+                </a:r>
+              </a:p>
+            </p:txBody>
+          </p:sp>
+        </mc:Fallback>
+      </mc:AlternateContent>
+      <mc:AlternateContent xmlns:mc="http://schemas.openxmlformats.org/markup-compatibility/2006">
+        <mc:Choice xmlns:a14="http://schemas.microsoft.com/office/drawing/2010/main" Requires="a14">
+          <p:sp>
+            <p:nvSpPr>
+              <p:cNvPr id="15" name="テキスト ボックス 14">
+                <a:extLst>
+                  <a:ext uri="{FF2B5EF4-FFF2-40B4-BE49-F238E27FC236}">
+                    <a16:creationId xmlns:a16="http://schemas.microsoft.com/office/drawing/2014/main" id="{8AE8FF30-E2AC-B8C6-573E-D0582DC7719F}"/>
+                  </a:ext>
+                </a:extLst>
+              </p:cNvPr>
+              <p:cNvSpPr txBox="1"/>
+              <p:nvPr/>
+            </p:nvSpPr>
+            <p:spPr>
+              <a:xfrm>
+                <a:off x="4012291" y="6344559"/>
+                <a:ext cx="612732" cy="646331"/>
+              </a:xfrm>
+              <a:prstGeom prst="rect">
+                <a:avLst/>
+              </a:prstGeom>
+              <a:noFill/>
+            </p:spPr>
+            <p:txBody>
+              <a:bodyPr wrap="none" rtlCol="0">
+                <a:spAutoFit/>
+              </a:bodyPr>
+              <a:lstStyle/>
+              <a:p>
+                <a:pPr/>
+                <a14:m>
+                  <m:oMathPara xmlns:m="http://schemas.openxmlformats.org/officeDocument/2006/math">
+                    <m:oMathParaPr>
+                      <m:jc m:val="centerGroup"/>
+                    </m:oMathParaPr>
+                    <m:oMath xmlns:m="http://schemas.openxmlformats.org/officeDocument/2006/math">
+                      <m:r>
+                        <a:rPr kumimoji="1" lang="en-US" altLang="ja-JP" sz="3600" b="0" i="1" smtClean="0">
+                          <a:solidFill>
+                            <a:schemeClr val="tx1"/>
+                          </a:solidFill>
+                          <a:latin typeface="Cambria Math" panose="02040503050406030204" pitchFamily="18" charset="0"/>
+                        </a:rPr>
+                        <m:t>𝑂</m:t>
+                      </m:r>
+                    </m:oMath>
+                  </m:oMathPara>
+                </a14:m>
+                <a:endParaRPr kumimoji="1" lang="ja-JP" altLang="en-US" sz="3600" dirty="0">
+                  <a:solidFill>
+                    <a:schemeClr val="tx1"/>
+                  </a:solidFill>
+                </a:endParaRPr>
+              </a:p>
+            </p:txBody>
+          </p:sp>
+        </mc:Choice>
+        <mc:Fallback>
+          <p:sp>
+            <p:nvSpPr>
+              <p:cNvPr id="15" name="テキスト ボックス 14">
+                <a:extLst>
+                  <a:ext uri="{FF2B5EF4-FFF2-40B4-BE49-F238E27FC236}">
+                    <a16:creationId xmlns:a16="http://schemas.microsoft.com/office/drawing/2014/main" id="{8AE8FF30-E2AC-B8C6-573E-D0582DC7719F}"/>
+                  </a:ext>
+                </a:extLst>
+              </p:cNvPr>
+              <p:cNvSpPr txBox="1">
+                <a:spLocks noRot="1" noChangeAspect="1" noMove="1" noResize="1" noEditPoints="1" noAdjustHandles="1" noChangeArrowheads="1" noChangeShapeType="1" noTextEdit="1"/>
+              </p:cNvSpPr>
+              <p:nvPr/>
+            </p:nvSpPr>
+            <p:spPr>
+              <a:xfrm>
+                <a:off x="4012291" y="6344559"/>
+                <a:ext cx="612732" cy="646331"/>
+              </a:xfrm>
+              <a:prstGeom prst="rect">
+                <a:avLst/>
+              </a:prstGeom>
+              <a:blipFill>
+                <a:blip r:embed="rId17"/>
                 <a:stretch>
                   <a:fillRect/>
                 </a:stretch>
